--- a/System Structure.EN.pptx
+++ b/System Structure.EN.pptx
@@ -15078,6 +15078,106 @@
           </a:ln>
         </p:spPr>
       </p:cxnSp>
+      <p:sp>
+        <p:nvSpPr>
+          <p:cNvPr id="172" name="Google Shape;172;p13"/>
+          <p:cNvSpPr txBox="1"/>
+          <p:nvPr/>
+        </p:nvSpPr>
+        <p:spPr>
+          <a:xfrm>
+            <a:off x="0" y="6346400"/>
+            <a:ext cx="12192000" cy="554100"/>
+          </a:xfrm>
+          <a:prstGeom prst="rect">
+            <a:avLst/>
+          </a:prstGeom>
+          <a:noFill/>
+          <a:ln>
+            <a:noFill/>
+          </a:ln>
+        </p:spPr>
+        <p:txBody>
+          <a:bodyPr anchorCtr="0" anchor="t" bIns="91425" lIns="91425" spcFirstLastPara="1" rIns="91425" wrap="square" tIns="91425">
+            <a:spAutoFit/>
+          </a:bodyPr>
+          <a:lstStyle/>
+          <a:p>
+            <a:pPr indent="0" lvl="0" marL="0" rtl="0" algn="l">
+              <a:spcBef>
+                <a:spcPts val="0"/>
+              </a:spcBef>
+              <a:spcAft>
+                <a:spcPts val="0"/>
+              </a:spcAft>
+              <a:buClr>
+                <a:schemeClr val="dk1"/>
+              </a:buClr>
+              <a:buSzPts val="1200"/>
+              <a:buFont typeface="Malgun Gothic"/>
+              <a:buNone/>
+            </a:pPr>
+            <a:r>
+              <a:rPr lang="en-US" sz="1200">
+                <a:solidFill>
+                  <a:schemeClr val="dk1"/>
+                </a:solidFill>
+                <a:latin typeface="Malgun Gothic"/>
+                <a:ea typeface="Malgun Gothic"/>
+                <a:cs typeface="Malgun Gothic"/>
+                <a:sym typeface="Malgun Gothic"/>
+              </a:rPr>
+              <a:t>The motorcycle market in the United States is huge.</a:t>
+            </a:r>
+            <a:endParaRPr sz="1200">
+              <a:solidFill>
+                <a:schemeClr val="dk1"/>
+              </a:solidFill>
+              <a:latin typeface="Malgun Gothic"/>
+              <a:ea typeface="Malgun Gothic"/>
+              <a:cs typeface="Malgun Gothic"/>
+              <a:sym typeface="Malgun Gothic"/>
+            </a:endParaRPr>
+          </a:p>
+          <a:p>
+            <a:pPr indent="0" lvl="0" marL="0" rtl="0" algn="l">
+              <a:spcBef>
+                <a:spcPts val="0"/>
+              </a:spcBef>
+              <a:spcAft>
+                <a:spcPts val="0"/>
+              </a:spcAft>
+              <a:buClr>
+                <a:schemeClr val="dk1"/>
+              </a:buClr>
+              <a:buSzPts val="1200"/>
+              <a:buFont typeface="Malgun Gothic"/>
+              <a:buNone/>
+            </a:pPr>
+            <a:r>
+              <a:rPr lang="en-US" sz="1200">
+                <a:solidFill>
+                  <a:schemeClr val="dk1"/>
+                </a:solidFill>
+                <a:latin typeface="Malgun Gothic"/>
+                <a:ea typeface="Malgun Gothic"/>
+                <a:cs typeface="Malgun Gothic"/>
+                <a:sym typeface="Malgun Gothic"/>
+              </a:rPr>
+              <a:t>Among them, it targets drivers who ride sports motorcycles and rely heavily on GPS navigation, and the market size is approximately 330 billion won.</a:t>
+            </a:r>
+            <a:endParaRPr sz="2800">
+              <a:solidFill>
+                <a:schemeClr val="dk1"/>
+              </a:solidFill>
+              <a:latin typeface="Malgun Gothic"/>
+              <a:ea typeface="Malgun Gothic"/>
+              <a:cs typeface="Malgun Gothic"/>
+              <a:sym typeface="Malgun Gothic"/>
+            </a:endParaRPr>
+          </a:p>
+        </p:txBody>
+      </p:sp>
     </p:spTree>
   </p:cSld>
   <p:clrMapOvr>
